--- a/Projektet/Designspecifikation/folderstrucutre.pptx
+++ b/Projektet/Designspecifikation/folderstrucutre.pptx
@@ -104,6 +104,11 @@
       </a:defRPr>
     </a:lvl9pPr>
   </p:defaultTextStyle>
+  <p:extLst>
+    <p:ext uri="{EFAFB233-063F-42B5-8137-9DF3F51BA10A}">
+      <p15:sldGuideLst xmlns:p15="http://schemas.microsoft.com/office/powerpoint/2012/main"/>
+    </p:ext>
+  </p:extLst>
 </p:presentation>
 </file>
 
@@ -256,7 +261,7 @@
           <a:p>
             <a:fld id="{F892000B-3320-47D0-A085-5C21E5A88271}" type="datetimeFigureOut">
               <a:rPr lang="en-SE" smtClean="0"/>
-              <a:t>2021-07-23</a:t>
+              <a:t>2021-07-25</a:t>
             </a:fld>
             <a:endParaRPr lang="en-SE"/>
           </a:p>
@@ -456,7 +461,7 @@
           <a:p>
             <a:fld id="{F892000B-3320-47D0-A085-5C21E5A88271}" type="datetimeFigureOut">
               <a:rPr lang="en-SE" smtClean="0"/>
-              <a:t>2021-07-23</a:t>
+              <a:t>2021-07-25</a:t>
             </a:fld>
             <a:endParaRPr lang="en-SE"/>
           </a:p>
@@ -666,7 +671,7 @@
           <a:p>
             <a:fld id="{F892000B-3320-47D0-A085-5C21E5A88271}" type="datetimeFigureOut">
               <a:rPr lang="en-SE" smtClean="0"/>
-              <a:t>2021-07-23</a:t>
+              <a:t>2021-07-25</a:t>
             </a:fld>
             <a:endParaRPr lang="en-SE"/>
           </a:p>
@@ -866,7 +871,7 @@
           <a:p>
             <a:fld id="{F892000B-3320-47D0-A085-5C21E5A88271}" type="datetimeFigureOut">
               <a:rPr lang="en-SE" smtClean="0"/>
-              <a:t>2021-07-23</a:t>
+              <a:t>2021-07-25</a:t>
             </a:fld>
             <a:endParaRPr lang="en-SE"/>
           </a:p>
@@ -1142,7 +1147,7 @@
           <a:p>
             <a:fld id="{F892000B-3320-47D0-A085-5C21E5A88271}" type="datetimeFigureOut">
               <a:rPr lang="en-SE" smtClean="0"/>
-              <a:t>2021-07-23</a:t>
+              <a:t>2021-07-25</a:t>
             </a:fld>
             <a:endParaRPr lang="en-SE"/>
           </a:p>
@@ -1410,7 +1415,7 @@
           <a:p>
             <a:fld id="{F892000B-3320-47D0-A085-5C21E5A88271}" type="datetimeFigureOut">
               <a:rPr lang="en-SE" smtClean="0"/>
-              <a:t>2021-07-23</a:t>
+              <a:t>2021-07-25</a:t>
             </a:fld>
             <a:endParaRPr lang="en-SE"/>
           </a:p>
@@ -1825,7 +1830,7 @@
           <a:p>
             <a:fld id="{F892000B-3320-47D0-A085-5C21E5A88271}" type="datetimeFigureOut">
               <a:rPr lang="en-SE" smtClean="0"/>
-              <a:t>2021-07-23</a:t>
+              <a:t>2021-07-25</a:t>
             </a:fld>
             <a:endParaRPr lang="en-SE"/>
           </a:p>
@@ -1967,7 +1972,7 @@
           <a:p>
             <a:fld id="{F892000B-3320-47D0-A085-5C21E5A88271}" type="datetimeFigureOut">
               <a:rPr lang="en-SE" smtClean="0"/>
-              <a:t>2021-07-23</a:t>
+              <a:t>2021-07-25</a:t>
             </a:fld>
             <a:endParaRPr lang="en-SE"/>
           </a:p>
@@ -2080,7 +2085,7 @@
           <a:p>
             <a:fld id="{F892000B-3320-47D0-A085-5C21E5A88271}" type="datetimeFigureOut">
               <a:rPr lang="en-SE" smtClean="0"/>
-              <a:t>2021-07-23</a:t>
+              <a:t>2021-07-25</a:t>
             </a:fld>
             <a:endParaRPr lang="en-SE"/>
           </a:p>
@@ -2393,7 +2398,7 @@
           <a:p>
             <a:fld id="{F892000B-3320-47D0-A085-5C21E5A88271}" type="datetimeFigureOut">
               <a:rPr lang="en-SE" smtClean="0"/>
-              <a:t>2021-07-23</a:t>
+              <a:t>2021-07-25</a:t>
             </a:fld>
             <a:endParaRPr lang="en-SE"/>
           </a:p>
@@ -2682,7 +2687,7 @@
           <a:p>
             <a:fld id="{F892000B-3320-47D0-A085-5C21E5A88271}" type="datetimeFigureOut">
               <a:rPr lang="en-SE" smtClean="0"/>
-              <a:t>2021-07-23</a:t>
+              <a:t>2021-07-25</a:t>
             </a:fld>
             <a:endParaRPr lang="en-SE"/>
           </a:p>
@@ -2925,7 +2930,7 @@
           <a:p>
             <a:fld id="{F892000B-3320-47D0-A085-5C21E5A88271}" type="datetimeFigureOut">
               <a:rPr lang="en-SE" smtClean="0"/>
-              <a:t>2021-07-23</a:t>
+              <a:t>2021-07-25</a:t>
             </a:fld>
             <a:endParaRPr lang="en-SE"/>
           </a:p>
@@ -3826,10 +3831,10 @@
       </p:cxnSp>
       <p:sp>
         <p:nvSpPr>
-          <p:cNvPr id="32" name="Rectangle: Single Corner Snipped 31">
-            <a:extLst>
-              <a:ext uri="{FF2B5EF4-FFF2-40B4-BE49-F238E27FC236}">
-                <a16:creationId xmlns:a16="http://schemas.microsoft.com/office/drawing/2014/main" id="{E9FFC342-A409-4151-B641-00EC96476413}"/>
+          <p:cNvPr id="33" name="Rectangle: Single Corner Snipped 32">
+            <a:extLst>
+              <a:ext uri="{FF2B5EF4-FFF2-40B4-BE49-F238E27FC236}">
+                <a16:creationId xmlns:a16="http://schemas.microsoft.com/office/drawing/2014/main" id="{B2D4FAEF-076F-4A6D-AE97-78F365CB10F5}"/>
               </a:ext>
             </a:extLst>
           </p:cNvPr>
@@ -3838,7 +3843,7 @@
         </p:nvSpPr>
         <p:spPr>
           <a:xfrm>
-            <a:off x="3146961" y="3794643"/>
+            <a:off x="3146961" y="3812809"/>
             <a:ext cx="665018" cy="433598"/>
           </a:xfrm>
           <a:prstGeom prst="snip1Rect">
@@ -3869,20 +3874,20 @@
           <a:lstStyle/>
           <a:p>
             <a:pPr algn="ctr"/>
-            <a:r>
-              <a:rPr lang="en-GB" sz="700" dirty="0"/>
-              <a:t>Index.html</a:t>
-            </a:r>
-            <a:endParaRPr lang="en-SE" sz="700" dirty="0"/>
-          </a:p>
-        </p:txBody>
-      </p:sp>
-      <p:sp>
-        <p:nvSpPr>
-          <p:cNvPr id="33" name="Rectangle: Single Corner Snipped 32">
-            <a:extLst>
-              <a:ext uri="{FF2B5EF4-FFF2-40B4-BE49-F238E27FC236}">
-                <a16:creationId xmlns:a16="http://schemas.microsoft.com/office/drawing/2014/main" id="{B2D4FAEF-076F-4A6D-AE97-78F365CB10F5}"/>
+            <a:endParaRPr lang="en-SE" sz="700" dirty="0">
+              <a:solidFill>
+                <a:schemeClr val="tx1"/>
+              </a:solidFill>
+            </a:endParaRPr>
+          </a:p>
+        </p:txBody>
+      </p:sp>
+      <p:sp>
+        <p:nvSpPr>
+          <p:cNvPr id="34" name="Rectangle: Single Corner Snipped 33">
+            <a:extLst>
+              <a:ext uri="{FF2B5EF4-FFF2-40B4-BE49-F238E27FC236}">
+                <a16:creationId xmlns:a16="http://schemas.microsoft.com/office/drawing/2014/main" id="{AFA4FFD5-B656-41C0-978C-3344CB217A7B}"/>
               </a:ext>
             </a:extLst>
           </p:cNvPr>
@@ -3891,7 +3896,7 @@
         </p:nvSpPr>
         <p:spPr>
           <a:xfrm>
-            <a:off x="3146961" y="3966631"/>
+            <a:off x="3146961" y="3984797"/>
             <a:ext cx="665018" cy="433598"/>
           </a:xfrm>
           <a:prstGeom prst="snip1Rect">
@@ -3922,20 +3927,20 @@
           <a:lstStyle/>
           <a:p>
             <a:pPr algn="ctr"/>
-            <a:endParaRPr lang="en-SE" sz="700" dirty="0">
-              <a:solidFill>
-                <a:schemeClr val="tx1"/>
-              </a:solidFill>
-            </a:endParaRPr>
-          </a:p>
-        </p:txBody>
-      </p:sp>
-      <p:sp>
-        <p:nvSpPr>
-          <p:cNvPr id="34" name="Rectangle: Single Corner Snipped 33">
-            <a:extLst>
-              <a:ext uri="{FF2B5EF4-FFF2-40B4-BE49-F238E27FC236}">
-                <a16:creationId xmlns:a16="http://schemas.microsoft.com/office/drawing/2014/main" id="{AFA4FFD5-B656-41C0-978C-3344CB217A7B}"/>
+            <a:r>
+              <a:rPr lang="en-GB" sz="700" dirty="0"/>
+              <a:t>Index.html</a:t>
+            </a:r>
+            <a:endParaRPr lang="en-SE" sz="700" dirty="0"/>
+          </a:p>
+        </p:txBody>
+      </p:sp>
+      <p:sp>
+        <p:nvSpPr>
+          <p:cNvPr id="35" name="Rectangle: Single Corner Snipped 34">
+            <a:extLst>
+              <a:ext uri="{FF2B5EF4-FFF2-40B4-BE49-F238E27FC236}">
+                <a16:creationId xmlns:a16="http://schemas.microsoft.com/office/drawing/2014/main" id="{8186BB2F-94B7-452E-866E-D60C79D9160B}"/>
               </a:ext>
             </a:extLst>
           </p:cNvPr>
@@ -3944,7 +3949,7 @@
         </p:nvSpPr>
         <p:spPr>
           <a:xfrm>
-            <a:off x="3146961" y="4138619"/>
+            <a:off x="3146961" y="4156785"/>
             <a:ext cx="665018" cy="433598"/>
           </a:xfrm>
           <a:prstGeom prst="snip1Rect">
@@ -3976,59 +3981,6 @@
           <a:p>
             <a:pPr algn="ctr"/>
             <a:r>
-              <a:rPr lang="en-GB" sz="700" dirty="0"/>
-              <a:t>Index.html</a:t>
-            </a:r>
-            <a:endParaRPr lang="en-SE" sz="700" dirty="0"/>
-          </a:p>
-        </p:txBody>
-      </p:sp>
-      <p:sp>
-        <p:nvSpPr>
-          <p:cNvPr id="35" name="Rectangle: Single Corner Snipped 34">
-            <a:extLst>
-              <a:ext uri="{FF2B5EF4-FFF2-40B4-BE49-F238E27FC236}">
-                <a16:creationId xmlns:a16="http://schemas.microsoft.com/office/drawing/2014/main" id="{8186BB2F-94B7-452E-866E-D60C79D9160B}"/>
-              </a:ext>
-            </a:extLst>
-          </p:cNvPr>
-          <p:cNvSpPr/>
-          <p:nvPr/>
-        </p:nvSpPr>
-        <p:spPr>
-          <a:xfrm>
-            <a:off x="3146961" y="4310607"/>
-            <a:ext cx="665018" cy="433598"/>
-          </a:xfrm>
-          <a:prstGeom prst="snip1Rect">
-            <a:avLst/>
-          </a:prstGeom>
-          <a:solidFill>
-            <a:schemeClr val="bg1"/>
-          </a:solidFill>
-        </p:spPr>
-        <p:style>
-          <a:lnRef idx="2">
-            <a:schemeClr val="dk1">
-              <a:shade val="50000"/>
-            </a:schemeClr>
-          </a:lnRef>
-          <a:fillRef idx="1">
-            <a:schemeClr val="dk1"/>
-          </a:fillRef>
-          <a:effectRef idx="0">
-            <a:schemeClr val="dk1"/>
-          </a:effectRef>
-          <a:fontRef idx="minor">
-            <a:schemeClr val="lt1"/>
-          </a:fontRef>
-        </p:style>
-        <p:txBody>
-          <a:bodyPr rtlCol="0" anchor="ctr"/>
-          <a:lstStyle/>
-          <a:p>
-            <a:pPr algn="ctr"/>
-            <a:r>
               <a:rPr lang="en-GB" sz="1050" dirty="0">
                 <a:solidFill>
                   <a:schemeClr val="tx1"/>
@@ -4055,7 +4007,7 @@
         <p:spPr>
           <a:xfrm>
             <a:off x="4001664" y="3856736"/>
-            <a:ext cx="2094336" cy="1015663"/>
+            <a:ext cx="2094336" cy="1169551"/>
           </a:xfrm>
           <a:prstGeom prst="rect">
             <a:avLst/>
@@ -4070,7 +4022,7 @@
           <a:p>
             <a:r>
               <a:rPr lang="en-GB" sz="1000" dirty="0"/>
-              <a:t>- Gastplatser.html</a:t>
+              <a:t>- Gasthamnen.html</a:t>
             </a:r>
           </a:p>
           <a:p>
@@ -4082,6 +4034,12 @@
           <a:p>
             <a:r>
               <a:rPr lang="en-GB" sz="1000" dirty="0"/>
+              <a:t>- English.html</a:t>
+            </a:r>
+          </a:p>
+          <a:p>
+            <a:r>
+              <a:rPr lang="en-GB" sz="1000" dirty="0"/>
               <a:t>- Kontakta-oss.html</a:t>
             </a:r>
           </a:p>
@@ -4101,9 +4059,10 @@
               <a:t>Aktiviteter</a:t>
             </a:r>
             <a:r>
-              <a:rPr lang="en-GB" sz="1000" dirty="0"/>
-              <a:t>- djupviken.html</a:t>
-            </a:r>
+              <a:rPr lang="en-GB" sz="1000"/>
+              <a:t>- djupvik.html</a:t>
+            </a:r>
+            <a:endParaRPr lang="en-GB" sz="1000" dirty="0"/>
           </a:p>
           <a:p>
             <a:endParaRPr lang="en-SE" sz="1000" dirty="0"/>
@@ -4388,10 +4347,227 @@
       </p:cxnSp>
       <p:sp>
         <p:nvSpPr>
-          <p:cNvPr id="51" name="Rectangle: Single Corner Snipped 50">
-            <a:extLst>
-              <a:ext uri="{FF2B5EF4-FFF2-40B4-BE49-F238E27FC236}">
-                <a16:creationId xmlns:a16="http://schemas.microsoft.com/office/drawing/2014/main" id="{64D5F6F2-08A2-4646-B8FE-5065315946F4}"/>
+          <p:cNvPr id="52" name="TextBox 51">
+            <a:extLst>
+              <a:ext uri="{FF2B5EF4-FFF2-40B4-BE49-F238E27FC236}">
+                <a16:creationId xmlns:a16="http://schemas.microsoft.com/office/drawing/2014/main" id="{357447A2-224B-48FD-9AA8-23B95C3B96E1}"/>
+              </a:ext>
+            </a:extLst>
+          </p:cNvPr>
+          <p:cNvSpPr txBox="1"/>
+          <p:nvPr/>
+        </p:nvSpPr>
+        <p:spPr>
+          <a:xfrm>
+            <a:off x="3997863" y="2358946"/>
+            <a:ext cx="1860751" cy="861774"/>
+          </a:xfrm>
+          <a:prstGeom prst="rect">
+            <a:avLst/>
+          </a:prstGeom>
+          <a:noFill/>
+        </p:spPr>
+        <p:txBody>
+          <a:bodyPr wrap="square" rtlCol="0">
+            <a:spAutoFit/>
+          </a:bodyPr>
+          <a:lstStyle/>
+          <a:p>
+            <a:pPr marL="171450" indent="-171450">
+              <a:buFontTx/>
+              <a:buChar char="-"/>
+            </a:pPr>
+            <a:r>
+              <a:rPr lang="en-GB" sz="1000" dirty="0"/>
+              <a:t>style.css</a:t>
+            </a:r>
+          </a:p>
+          <a:p>
+            <a:pPr marL="171450" indent="-171450">
+              <a:buFontTx/>
+              <a:buChar char="-"/>
+            </a:pPr>
+            <a:r>
+              <a:rPr lang="en-GB" sz="1000" dirty="0"/>
+              <a:t>normalize.css</a:t>
+            </a:r>
+          </a:p>
+          <a:p>
+            <a:pPr marL="171450" indent="-171450">
+              <a:buFontTx/>
+              <a:buChar char="-"/>
+            </a:pPr>
+            <a:r>
+              <a:rPr lang="en-GB" sz="1000" dirty="0"/>
+              <a:t>big-screen.css</a:t>
+            </a:r>
+          </a:p>
+          <a:p>
+            <a:pPr marL="171450" indent="-171450">
+              <a:buFontTx/>
+              <a:buChar char="-"/>
+            </a:pPr>
+            <a:r>
+              <a:rPr lang="en-US" sz="1000" dirty="0"/>
+              <a:t>tablet.css</a:t>
+            </a:r>
+          </a:p>
+          <a:p>
+            <a:pPr marL="171450" indent="-171450">
+              <a:buFontTx/>
+              <a:buChar char="-"/>
+            </a:pPr>
+            <a:r>
+              <a:rPr lang="en-US" sz="1000" dirty="0"/>
+              <a:t>mobile.css</a:t>
+            </a:r>
+            <a:endParaRPr lang="en-SE" sz="1000" dirty="0"/>
+          </a:p>
+        </p:txBody>
+      </p:sp>
+      <p:cxnSp>
+        <p:nvCxnSpPr>
+          <p:cNvPr id="53" name="Straight Connector 52">
+            <a:extLst>
+              <a:ext uri="{FF2B5EF4-FFF2-40B4-BE49-F238E27FC236}">
+                <a16:creationId xmlns:a16="http://schemas.microsoft.com/office/drawing/2014/main" id="{91125060-F94C-4C81-B0FA-AEA3F1578F07}"/>
+              </a:ext>
+            </a:extLst>
+          </p:cNvPr>
+          <p:cNvCxnSpPr>
+            <a:cxnSpLocks/>
+            <a:stCxn id="20" idx="3"/>
+          </p:cNvCxnSpPr>
+          <p:nvPr/>
+        </p:nvCxnSpPr>
+        <p:spPr>
+          <a:xfrm flipV="1">
+            <a:off x="2361882" y="2696145"/>
+            <a:ext cx="716597" cy="2746"/>
+          </a:xfrm>
+          <a:prstGeom prst="line">
+            <a:avLst/>
+          </a:prstGeom>
+        </p:spPr>
+        <p:style>
+          <a:lnRef idx="1">
+            <a:schemeClr val="dk1"/>
+          </a:lnRef>
+          <a:fillRef idx="0">
+            <a:schemeClr val="dk1"/>
+          </a:fillRef>
+          <a:effectRef idx="0">
+            <a:schemeClr val="dk1"/>
+          </a:effectRef>
+          <a:fontRef idx="minor">
+            <a:schemeClr val="tx1"/>
+          </a:fontRef>
+        </p:style>
+      </p:cxnSp>
+      <p:sp>
+        <p:nvSpPr>
+          <p:cNvPr id="58" name="TextBox 57">
+            <a:extLst>
+              <a:ext uri="{FF2B5EF4-FFF2-40B4-BE49-F238E27FC236}">
+                <a16:creationId xmlns:a16="http://schemas.microsoft.com/office/drawing/2014/main" id="{A647367D-1D6E-48F9-A838-EEEB711C6754}"/>
+              </a:ext>
+            </a:extLst>
+          </p:cNvPr>
+          <p:cNvSpPr txBox="1"/>
+          <p:nvPr/>
+        </p:nvSpPr>
+        <p:spPr>
+          <a:xfrm>
+            <a:off x="4001664" y="3244006"/>
+            <a:ext cx="1741110" cy="553998"/>
+          </a:xfrm>
+          <a:prstGeom prst="rect">
+            <a:avLst/>
+          </a:prstGeom>
+          <a:noFill/>
+        </p:spPr>
+        <p:txBody>
+          <a:bodyPr wrap="square" rtlCol="0">
+            <a:spAutoFit/>
+          </a:bodyPr>
+          <a:lstStyle/>
+          <a:p>
+            <a:pPr marL="171450" indent="-171450">
+              <a:buFontTx/>
+              <a:buChar char="-"/>
+            </a:pPr>
+            <a:r>
+              <a:rPr lang="en-GB" sz="1000" dirty="0"/>
+              <a:t>app.js</a:t>
+            </a:r>
+          </a:p>
+          <a:p>
+            <a:pPr marL="171450" indent="-171450">
+              <a:buFontTx/>
+              <a:buChar char="-"/>
+            </a:pPr>
+            <a:r>
+              <a:rPr lang="en-GB" sz="1000" dirty="0"/>
+              <a:t>display_weatherdata.js</a:t>
+            </a:r>
+          </a:p>
+          <a:p>
+            <a:pPr marL="171450" indent="-171450">
+              <a:buFontTx/>
+              <a:buChar char="-"/>
+            </a:pPr>
+            <a:r>
+              <a:rPr lang="en-GB" sz="1000" dirty="0"/>
+              <a:t>fetch_weatherdata.js</a:t>
+            </a:r>
+            <a:endParaRPr lang="en-SE" sz="1000" dirty="0"/>
+          </a:p>
+        </p:txBody>
+      </p:sp>
+      <p:cxnSp>
+        <p:nvCxnSpPr>
+          <p:cNvPr id="59" name="Straight Connector 58">
+            <a:extLst>
+              <a:ext uri="{FF2B5EF4-FFF2-40B4-BE49-F238E27FC236}">
+                <a16:creationId xmlns:a16="http://schemas.microsoft.com/office/drawing/2014/main" id="{C5A74298-0EB2-439E-8391-DDC05E938A8A}"/>
+              </a:ext>
+            </a:extLst>
+          </p:cNvPr>
+          <p:cNvCxnSpPr>
+            <a:cxnSpLocks/>
+          </p:cNvCxnSpPr>
+          <p:nvPr/>
+        </p:nvCxnSpPr>
+        <p:spPr>
+          <a:xfrm flipV="1">
+            <a:off x="2361882" y="3367117"/>
+            <a:ext cx="716597" cy="2746"/>
+          </a:xfrm>
+          <a:prstGeom prst="line">
+            <a:avLst/>
+          </a:prstGeom>
+        </p:spPr>
+        <p:style>
+          <a:lnRef idx="1">
+            <a:schemeClr val="dk1"/>
+          </a:lnRef>
+          <a:fillRef idx="0">
+            <a:schemeClr val="dk1"/>
+          </a:fillRef>
+          <a:effectRef idx="0">
+            <a:schemeClr val="dk1"/>
+          </a:effectRef>
+          <a:fontRef idx="minor">
+            <a:schemeClr val="tx1"/>
+          </a:fontRef>
+        </p:style>
+      </p:cxnSp>
+      <p:sp>
+        <p:nvSpPr>
+          <p:cNvPr id="43" name="Rectangle: Single Corner Snipped 42">
+            <a:extLst>
+              <a:ext uri="{FF2B5EF4-FFF2-40B4-BE49-F238E27FC236}">
+                <a16:creationId xmlns:a16="http://schemas.microsoft.com/office/drawing/2014/main" id="{9C05A676-0517-48BF-9CE1-82286EE9C357}"/>
               </a:ext>
             </a:extLst>
           </p:cNvPr>
@@ -4400,7 +4576,7 @@
         </p:nvSpPr>
         <p:spPr>
           <a:xfrm>
-            <a:off x="3146961" y="2479346"/>
+            <a:off x="3146961" y="2981782"/>
             <a:ext cx="665018" cy="433598"/>
           </a:xfrm>
           <a:prstGeom prst="snip1Rect">
@@ -4431,23 +4607,7 @@
           <a:lstStyle/>
           <a:p>
             <a:pPr algn="ctr"/>
-            <a:r>
-              <a:rPr lang="en-GB" sz="1050" dirty="0">
-                <a:solidFill>
-                  <a:schemeClr val="tx1"/>
-                </a:solidFill>
-              </a:rPr>
-              <a:t>.</a:t>
-            </a:r>
-            <a:r>
-              <a:rPr lang="en-GB" sz="1050" dirty="0" err="1">
-                <a:solidFill>
-                  <a:schemeClr val="tx1"/>
-                </a:solidFill>
-              </a:rPr>
-              <a:t>css</a:t>
-            </a:r>
-            <a:endParaRPr lang="en-SE" sz="1050" dirty="0">
+            <a:endParaRPr lang="en-SE" sz="700" dirty="0">
               <a:solidFill>
                 <a:schemeClr val="tx1"/>
               </a:solidFill>
@@ -4457,85 +4617,10 @@
       </p:sp>
       <p:sp>
         <p:nvSpPr>
-          <p:cNvPr id="52" name="TextBox 51">
-            <a:extLst>
-              <a:ext uri="{FF2B5EF4-FFF2-40B4-BE49-F238E27FC236}">
-                <a16:creationId xmlns:a16="http://schemas.microsoft.com/office/drawing/2014/main" id="{357447A2-224B-48FD-9AA8-23B95C3B96E1}"/>
-              </a:ext>
-            </a:extLst>
-          </p:cNvPr>
-          <p:cNvSpPr txBox="1"/>
-          <p:nvPr/>
-        </p:nvSpPr>
-        <p:spPr>
-          <a:xfrm>
-            <a:off x="4001664" y="2573034"/>
-            <a:ext cx="841289" cy="246221"/>
-          </a:xfrm>
-          <a:prstGeom prst="rect">
-            <a:avLst/>
-          </a:prstGeom>
-          <a:noFill/>
-        </p:spPr>
-        <p:txBody>
-          <a:bodyPr wrap="square" rtlCol="0">
-            <a:spAutoFit/>
-          </a:bodyPr>
-          <a:lstStyle/>
-          <a:p>
-            <a:r>
-              <a:rPr lang="en-GB" sz="1000" dirty="0"/>
-              <a:t>- style.css</a:t>
-            </a:r>
-            <a:endParaRPr lang="en-SE" sz="1000" dirty="0"/>
-          </a:p>
-        </p:txBody>
-      </p:sp>
-      <p:cxnSp>
-        <p:nvCxnSpPr>
-          <p:cNvPr id="53" name="Straight Connector 52">
-            <a:extLst>
-              <a:ext uri="{FF2B5EF4-FFF2-40B4-BE49-F238E27FC236}">
-                <a16:creationId xmlns:a16="http://schemas.microsoft.com/office/drawing/2014/main" id="{91125060-F94C-4C81-B0FA-AEA3F1578F07}"/>
-              </a:ext>
-            </a:extLst>
-          </p:cNvPr>
-          <p:cNvCxnSpPr>
-            <a:cxnSpLocks/>
-            <a:stCxn id="20" idx="3"/>
-          </p:cNvCxnSpPr>
-          <p:nvPr/>
-        </p:nvCxnSpPr>
-        <p:spPr>
-          <a:xfrm flipV="1">
-            <a:off x="2361882" y="2696145"/>
-            <a:ext cx="716597" cy="2746"/>
-          </a:xfrm>
-          <a:prstGeom prst="line">
-            <a:avLst/>
-          </a:prstGeom>
-        </p:spPr>
-        <p:style>
-          <a:lnRef idx="1">
-            <a:schemeClr val="dk1"/>
-          </a:lnRef>
-          <a:fillRef idx="0">
-            <a:schemeClr val="dk1"/>
-          </a:fillRef>
-          <a:effectRef idx="0">
-            <a:schemeClr val="dk1"/>
-          </a:effectRef>
-          <a:fontRef idx="minor">
-            <a:schemeClr val="tx1"/>
-          </a:fontRef>
-        </p:style>
-      </p:cxnSp>
-      <p:sp>
-        <p:nvSpPr>
-          <p:cNvPr id="57" name="Rectangle: Single Corner Snipped 56">
-            <a:extLst>
-              <a:ext uri="{FF2B5EF4-FFF2-40B4-BE49-F238E27FC236}">
-                <a16:creationId xmlns:a16="http://schemas.microsoft.com/office/drawing/2014/main" id="{6CAD1B03-421F-4FE2-9063-823F69021493}"/>
+          <p:cNvPr id="44" name="Rectangle: Single Corner Snipped 43">
+            <a:extLst>
+              <a:ext uri="{FF2B5EF4-FFF2-40B4-BE49-F238E27FC236}">
+                <a16:creationId xmlns:a16="http://schemas.microsoft.com/office/drawing/2014/main" id="{44A7611D-9519-4D8F-9006-CF576375AAD3}"/>
               </a:ext>
             </a:extLst>
           </p:cNvPr>
@@ -4544,7 +4629,7 @@
         </p:nvSpPr>
         <p:spPr>
           <a:xfrm>
-            <a:off x="3146961" y="3150318"/>
+            <a:off x="3146961" y="3153770"/>
             <a:ext cx="665018" cy="433598"/>
           </a:xfrm>
           <a:prstGeom prst="snip1Rect">
@@ -4576,6 +4661,59 @@
           <a:p>
             <a:pPr algn="ctr"/>
             <a:r>
+              <a:rPr lang="en-GB" sz="700" dirty="0"/>
+              <a:t>Index.html</a:t>
+            </a:r>
+            <a:endParaRPr lang="en-SE" sz="700" dirty="0"/>
+          </a:p>
+        </p:txBody>
+      </p:sp>
+      <p:sp>
+        <p:nvSpPr>
+          <p:cNvPr id="46" name="Rectangle: Single Corner Snipped 45">
+            <a:extLst>
+              <a:ext uri="{FF2B5EF4-FFF2-40B4-BE49-F238E27FC236}">
+                <a16:creationId xmlns:a16="http://schemas.microsoft.com/office/drawing/2014/main" id="{B6367D3F-C177-4ED7-BF50-FE23CF51AA3A}"/>
+              </a:ext>
+            </a:extLst>
+          </p:cNvPr>
+          <p:cNvSpPr/>
+          <p:nvPr/>
+        </p:nvSpPr>
+        <p:spPr>
+          <a:xfrm>
+            <a:off x="3146961" y="3325758"/>
+            <a:ext cx="665018" cy="433598"/>
+          </a:xfrm>
+          <a:prstGeom prst="snip1Rect">
+            <a:avLst/>
+          </a:prstGeom>
+          <a:solidFill>
+            <a:schemeClr val="bg1"/>
+          </a:solidFill>
+        </p:spPr>
+        <p:style>
+          <a:lnRef idx="2">
+            <a:schemeClr val="dk1">
+              <a:shade val="50000"/>
+            </a:schemeClr>
+          </a:lnRef>
+          <a:fillRef idx="1">
+            <a:schemeClr val="dk1"/>
+          </a:fillRef>
+          <a:effectRef idx="0">
+            <a:schemeClr val="dk1"/>
+          </a:effectRef>
+          <a:fontRef idx="minor">
+            <a:schemeClr val="lt1"/>
+          </a:fontRef>
+        </p:style>
+        <p:txBody>
+          <a:bodyPr rtlCol="0" anchor="ctr"/>
+          <a:lstStyle/>
+          <a:p>
+            <a:pPr algn="ctr"/>
+            <a:r>
               <a:rPr lang="en-GB" sz="1050" dirty="0">
                 <a:solidFill>
                   <a:schemeClr val="tx1"/>
@@ -4589,90 +4727,183 @@
                   <a:schemeClr val="tx1"/>
                 </a:solidFill>
               </a:rPr>
-              <a:t>css</a:t>
-            </a:r>
-            <a:endParaRPr lang="en-SE" sz="1050" dirty="0">
-              <a:solidFill>
-                <a:schemeClr val="tx1"/>
-              </a:solidFill>
-            </a:endParaRPr>
-          </a:p>
-        </p:txBody>
-      </p:sp>
-      <p:sp>
-        <p:nvSpPr>
-          <p:cNvPr id="58" name="TextBox 57">
-            <a:extLst>
-              <a:ext uri="{FF2B5EF4-FFF2-40B4-BE49-F238E27FC236}">
-                <a16:creationId xmlns:a16="http://schemas.microsoft.com/office/drawing/2014/main" id="{A647367D-1D6E-48F9-A838-EEEB711C6754}"/>
-              </a:ext>
-            </a:extLst>
-          </p:cNvPr>
-          <p:cNvSpPr txBox="1"/>
+              <a:t>js</a:t>
+            </a:r>
+            <a:endParaRPr lang="en-SE" sz="1000" dirty="0"/>
+          </a:p>
+        </p:txBody>
+      </p:sp>
+      <p:sp>
+        <p:nvSpPr>
+          <p:cNvPr id="47" name="Rectangle: Single Corner Snipped 46">
+            <a:extLst>
+              <a:ext uri="{FF2B5EF4-FFF2-40B4-BE49-F238E27FC236}">
+                <a16:creationId xmlns:a16="http://schemas.microsoft.com/office/drawing/2014/main" id="{19629082-B001-468F-98D4-5B7A47C490F3}"/>
+              </a:ext>
+            </a:extLst>
+          </p:cNvPr>
+          <p:cNvSpPr/>
           <p:nvPr/>
         </p:nvSpPr>
         <p:spPr>
           <a:xfrm>
-            <a:off x="4001664" y="3244006"/>
-            <a:ext cx="841289" cy="246221"/>
-          </a:xfrm>
-          <a:prstGeom prst="rect">
+            <a:off x="3146961" y="2118214"/>
+            <a:ext cx="665018" cy="433598"/>
+          </a:xfrm>
+          <a:prstGeom prst="snip1Rect">
             <a:avLst/>
           </a:prstGeom>
-          <a:noFill/>
-        </p:spPr>
-        <p:txBody>
-          <a:bodyPr wrap="square" rtlCol="0">
-            <a:spAutoFit/>
-          </a:bodyPr>
-          <a:lstStyle/>
-          <a:p>
-            <a:r>
-              <a:rPr lang="en-GB" sz="1000" dirty="0"/>
-              <a:t>- app.js</a:t>
-            </a:r>
-            <a:endParaRPr lang="en-SE" sz="1000" dirty="0"/>
-          </a:p>
-        </p:txBody>
-      </p:sp>
-      <p:cxnSp>
-        <p:nvCxnSpPr>
-          <p:cNvPr id="59" name="Straight Connector 58">
-            <a:extLst>
-              <a:ext uri="{FF2B5EF4-FFF2-40B4-BE49-F238E27FC236}">
-                <a16:creationId xmlns:a16="http://schemas.microsoft.com/office/drawing/2014/main" id="{C5A74298-0EB2-439E-8391-DDC05E938A8A}"/>
-              </a:ext>
-            </a:extLst>
-          </p:cNvPr>
-          <p:cNvCxnSpPr>
-            <a:cxnSpLocks/>
-          </p:cNvCxnSpPr>
-          <p:nvPr/>
-        </p:nvCxnSpPr>
-        <p:spPr>
-          <a:xfrm flipV="1">
-            <a:off x="2361882" y="3367117"/>
-            <a:ext cx="716597" cy="2746"/>
-          </a:xfrm>
-          <a:prstGeom prst="line">
-            <a:avLst/>
-          </a:prstGeom>
+          <a:solidFill>
+            <a:schemeClr val="bg1"/>
+          </a:solidFill>
         </p:spPr>
         <p:style>
-          <a:lnRef idx="1">
-            <a:schemeClr val="dk1"/>
+          <a:lnRef idx="2">
+            <a:schemeClr val="dk1">
+              <a:shade val="50000"/>
+            </a:schemeClr>
           </a:lnRef>
-          <a:fillRef idx="0">
+          <a:fillRef idx="1">
             <a:schemeClr val="dk1"/>
           </a:fillRef>
           <a:effectRef idx="0">
             <a:schemeClr val="dk1"/>
           </a:effectRef>
           <a:fontRef idx="minor">
-            <a:schemeClr val="tx1"/>
+            <a:schemeClr val="lt1"/>
           </a:fontRef>
         </p:style>
-      </p:cxnSp>
+        <p:txBody>
+          <a:bodyPr rtlCol="0" anchor="ctr"/>
+          <a:lstStyle/>
+          <a:p>
+            <a:pPr algn="ctr"/>
+            <a:endParaRPr lang="en-SE" sz="700" dirty="0">
+              <a:solidFill>
+                <a:schemeClr val="tx1"/>
+              </a:solidFill>
+            </a:endParaRPr>
+          </a:p>
+        </p:txBody>
+      </p:sp>
+      <p:sp>
+        <p:nvSpPr>
+          <p:cNvPr id="50" name="Rectangle: Single Corner Snipped 49">
+            <a:extLst>
+              <a:ext uri="{FF2B5EF4-FFF2-40B4-BE49-F238E27FC236}">
+                <a16:creationId xmlns:a16="http://schemas.microsoft.com/office/drawing/2014/main" id="{3D900036-FBBD-47AA-894E-ADD78491DAB0}"/>
+              </a:ext>
+            </a:extLst>
+          </p:cNvPr>
+          <p:cNvSpPr/>
+          <p:nvPr/>
+        </p:nvSpPr>
+        <p:spPr>
+          <a:xfrm>
+            <a:off x="3146961" y="2290202"/>
+            <a:ext cx="665018" cy="433598"/>
+          </a:xfrm>
+          <a:prstGeom prst="snip1Rect">
+            <a:avLst/>
+          </a:prstGeom>
+          <a:solidFill>
+            <a:schemeClr val="bg1"/>
+          </a:solidFill>
+        </p:spPr>
+        <p:style>
+          <a:lnRef idx="2">
+            <a:schemeClr val="dk1">
+              <a:shade val="50000"/>
+            </a:schemeClr>
+          </a:lnRef>
+          <a:fillRef idx="1">
+            <a:schemeClr val="dk1"/>
+          </a:fillRef>
+          <a:effectRef idx="0">
+            <a:schemeClr val="dk1"/>
+          </a:effectRef>
+          <a:fontRef idx="minor">
+            <a:schemeClr val="lt1"/>
+          </a:fontRef>
+        </p:style>
+        <p:txBody>
+          <a:bodyPr rtlCol="0" anchor="ctr"/>
+          <a:lstStyle/>
+          <a:p>
+            <a:pPr algn="ctr"/>
+            <a:r>
+              <a:rPr lang="en-GB" sz="700" dirty="0"/>
+              <a:t>Index.html</a:t>
+            </a:r>
+            <a:endParaRPr lang="en-SE" sz="700" dirty="0"/>
+          </a:p>
+        </p:txBody>
+      </p:sp>
+      <p:sp>
+        <p:nvSpPr>
+          <p:cNvPr id="54" name="Rectangle: Single Corner Snipped 53">
+            <a:extLst>
+              <a:ext uri="{FF2B5EF4-FFF2-40B4-BE49-F238E27FC236}">
+                <a16:creationId xmlns:a16="http://schemas.microsoft.com/office/drawing/2014/main" id="{792B1C16-8A57-4FEB-A36E-DC3E5F58E90E}"/>
+              </a:ext>
+            </a:extLst>
+          </p:cNvPr>
+          <p:cNvSpPr/>
+          <p:nvPr/>
+        </p:nvSpPr>
+        <p:spPr>
+          <a:xfrm>
+            <a:off x="3146961" y="2462190"/>
+            <a:ext cx="665018" cy="433598"/>
+          </a:xfrm>
+          <a:prstGeom prst="snip1Rect">
+            <a:avLst/>
+          </a:prstGeom>
+          <a:solidFill>
+            <a:schemeClr val="bg1"/>
+          </a:solidFill>
+        </p:spPr>
+        <p:style>
+          <a:lnRef idx="2">
+            <a:schemeClr val="dk1">
+              <a:shade val="50000"/>
+            </a:schemeClr>
+          </a:lnRef>
+          <a:fillRef idx="1">
+            <a:schemeClr val="dk1"/>
+          </a:fillRef>
+          <a:effectRef idx="0">
+            <a:schemeClr val="dk1"/>
+          </a:effectRef>
+          <a:fontRef idx="minor">
+            <a:schemeClr val="lt1"/>
+          </a:fontRef>
+        </p:style>
+        <p:txBody>
+          <a:bodyPr rtlCol="0" anchor="ctr"/>
+          <a:lstStyle/>
+          <a:p>
+            <a:pPr algn="ctr"/>
+            <a:r>
+              <a:rPr lang="en-GB" sz="1050" dirty="0">
+                <a:solidFill>
+                  <a:schemeClr val="tx1"/>
+                </a:solidFill>
+              </a:rPr>
+              <a:t>.</a:t>
+            </a:r>
+            <a:r>
+              <a:rPr lang="en-GB" sz="1050" dirty="0" err="1">
+                <a:solidFill>
+                  <a:schemeClr val="tx1"/>
+                </a:solidFill>
+              </a:rPr>
+              <a:t>css</a:t>
+            </a:r>
+            <a:endParaRPr lang="en-SE" sz="1000" dirty="0"/>
+          </a:p>
+        </p:txBody>
+      </p:sp>
     </p:spTree>
     <p:extLst>
       <p:ext uri="{BB962C8B-B14F-4D97-AF65-F5344CB8AC3E}">

--- a/Projektet/Designspecifikation/folderstrucutre.pptx
+++ b/Projektet/Designspecifikation/folderstrucutre.pptx
@@ -261,7 +261,7 @@
           <a:p>
             <a:fld id="{F892000B-3320-47D0-A085-5C21E5A88271}" type="datetimeFigureOut">
               <a:rPr lang="en-SE" smtClean="0"/>
-              <a:t>2021-07-25</a:t>
+              <a:t>2021-08-13</a:t>
             </a:fld>
             <a:endParaRPr lang="en-SE"/>
           </a:p>
@@ -461,7 +461,7 @@
           <a:p>
             <a:fld id="{F892000B-3320-47D0-A085-5C21E5A88271}" type="datetimeFigureOut">
               <a:rPr lang="en-SE" smtClean="0"/>
-              <a:t>2021-07-25</a:t>
+              <a:t>2021-08-13</a:t>
             </a:fld>
             <a:endParaRPr lang="en-SE"/>
           </a:p>
@@ -671,7 +671,7 @@
           <a:p>
             <a:fld id="{F892000B-3320-47D0-A085-5C21E5A88271}" type="datetimeFigureOut">
               <a:rPr lang="en-SE" smtClean="0"/>
-              <a:t>2021-07-25</a:t>
+              <a:t>2021-08-13</a:t>
             </a:fld>
             <a:endParaRPr lang="en-SE"/>
           </a:p>
@@ -871,7 +871,7 @@
           <a:p>
             <a:fld id="{F892000B-3320-47D0-A085-5C21E5A88271}" type="datetimeFigureOut">
               <a:rPr lang="en-SE" smtClean="0"/>
-              <a:t>2021-07-25</a:t>
+              <a:t>2021-08-13</a:t>
             </a:fld>
             <a:endParaRPr lang="en-SE"/>
           </a:p>
@@ -1147,7 +1147,7 @@
           <a:p>
             <a:fld id="{F892000B-3320-47D0-A085-5C21E5A88271}" type="datetimeFigureOut">
               <a:rPr lang="en-SE" smtClean="0"/>
-              <a:t>2021-07-25</a:t>
+              <a:t>2021-08-13</a:t>
             </a:fld>
             <a:endParaRPr lang="en-SE"/>
           </a:p>
@@ -1415,7 +1415,7 @@
           <a:p>
             <a:fld id="{F892000B-3320-47D0-A085-5C21E5A88271}" type="datetimeFigureOut">
               <a:rPr lang="en-SE" smtClean="0"/>
-              <a:t>2021-07-25</a:t>
+              <a:t>2021-08-13</a:t>
             </a:fld>
             <a:endParaRPr lang="en-SE"/>
           </a:p>
@@ -1830,7 +1830,7 @@
           <a:p>
             <a:fld id="{F892000B-3320-47D0-A085-5C21E5A88271}" type="datetimeFigureOut">
               <a:rPr lang="en-SE" smtClean="0"/>
-              <a:t>2021-07-25</a:t>
+              <a:t>2021-08-13</a:t>
             </a:fld>
             <a:endParaRPr lang="en-SE"/>
           </a:p>
@@ -1972,7 +1972,7 @@
           <a:p>
             <a:fld id="{F892000B-3320-47D0-A085-5C21E5A88271}" type="datetimeFigureOut">
               <a:rPr lang="en-SE" smtClean="0"/>
-              <a:t>2021-07-25</a:t>
+              <a:t>2021-08-13</a:t>
             </a:fld>
             <a:endParaRPr lang="en-SE"/>
           </a:p>
@@ -2085,7 +2085,7 @@
           <a:p>
             <a:fld id="{F892000B-3320-47D0-A085-5C21E5A88271}" type="datetimeFigureOut">
               <a:rPr lang="en-SE" smtClean="0"/>
-              <a:t>2021-07-25</a:t>
+              <a:t>2021-08-13</a:t>
             </a:fld>
             <a:endParaRPr lang="en-SE"/>
           </a:p>
@@ -2398,7 +2398,7 @@
           <a:p>
             <a:fld id="{F892000B-3320-47D0-A085-5C21E5A88271}" type="datetimeFigureOut">
               <a:rPr lang="en-SE" smtClean="0"/>
-              <a:t>2021-07-25</a:t>
+              <a:t>2021-08-13</a:t>
             </a:fld>
             <a:endParaRPr lang="en-SE"/>
           </a:p>
@@ -2687,7 +2687,7 @@
           <a:p>
             <a:fld id="{F892000B-3320-47D0-A085-5C21E5A88271}" type="datetimeFigureOut">
               <a:rPr lang="en-SE" smtClean="0"/>
-              <a:t>2021-07-25</a:t>
+              <a:t>2021-08-13</a:t>
             </a:fld>
             <a:endParaRPr lang="en-SE"/>
           </a:p>
@@ -2930,7 +2930,7 @@
           <a:p>
             <a:fld id="{F892000B-3320-47D0-A085-5C21E5A88271}" type="datetimeFigureOut">
               <a:rPr lang="en-SE" smtClean="0"/>
-              <a:t>2021-07-25</a:t>
+              <a:t>2021-08-13</a:t>
             </a:fld>
             <a:endParaRPr lang="en-SE"/>
           </a:p>
@@ -4360,7 +4360,7 @@
         <p:spPr>
           <a:xfrm>
             <a:off x="3997863" y="2358946"/>
-            <a:ext cx="1860751" cy="861774"/>
+            <a:ext cx="1860751" cy="1015663"/>
           </a:xfrm>
           <a:prstGeom prst="rect">
             <a:avLst/>
@@ -4420,6 +4420,16 @@
             <a:r>
               <a:rPr lang="en-US" sz="1000" dirty="0"/>
               <a:t>mobile.css</a:t>
+            </a:r>
+          </a:p>
+          <a:p>
+            <a:pPr marL="171450" indent="-171450">
+              <a:buFontTx/>
+              <a:buChar char="-"/>
+            </a:pPr>
+            <a:r>
+              <a:rPr lang="en-US" sz="1000" dirty="0"/>
+              <a:t>weather-card.js</a:t>
             </a:r>
             <a:endParaRPr lang="en-SE" sz="1000" dirty="0"/>
           </a:p>
@@ -4479,7 +4489,7 @@
         <p:spPr>
           <a:xfrm>
             <a:off x="4001664" y="3244006"/>
-            <a:ext cx="1741110" cy="553998"/>
+            <a:ext cx="1741110" cy="707886"/>
           </a:xfrm>
           <a:prstGeom prst="rect">
             <a:avLst/>
@@ -4519,6 +4529,16 @@
             <a:r>
               <a:rPr lang="en-GB" sz="1000" dirty="0"/>
               <a:t>fetch_weatherdata.js</a:t>
+            </a:r>
+          </a:p>
+          <a:p>
+            <a:pPr marL="171450" indent="-171450">
+              <a:buFontTx/>
+              <a:buChar char="-"/>
+            </a:pPr>
+            <a:r>
+              <a:rPr lang="en-GB" sz="1000" dirty="0"/>
+              <a:t>showMore.js</a:t>
             </a:r>
             <a:endParaRPr lang="en-SE" sz="1000" dirty="0"/>
           </a:p>
